--- a/기획 문서/181206_DuckyDoggy_기획서_(ver1).pptx
+++ b/기획 문서/181206_DuckyDoggy_기획서_(ver1).pptx
@@ -1217,6 +1217,14 @@
         </dgm:presLayoutVars>
       </dgm:prSet>
       <dgm:spPr/>
+      <dgm:t>
+        <a:bodyPr/>
+        <a:lstStyle/>
+        <a:p>
+          <a:pPr latinLnBrk="1"/>
+          <a:endParaRPr lang="ko-KR" altLang="en-US"/>
+        </a:p>
+      </dgm:t>
     </dgm:pt>
     <dgm:pt modelId="{AB6AA224-7320-413C-BC56-93CA49E2E4DA}" type="pres">
       <dgm:prSet presAssocID="{097A7718-27E4-429E-B8F7-4AD0308D5B68}" presName="parTxOnlySpace" presStyleCnt="0"/>
@@ -1231,6 +1239,14 @@
         </dgm:presLayoutVars>
       </dgm:prSet>
       <dgm:spPr/>
+      <dgm:t>
+        <a:bodyPr/>
+        <a:lstStyle/>
+        <a:p>
+          <a:pPr latinLnBrk="1"/>
+          <a:endParaRPr lang="ko-KR" altLang="en-US"/>
+        </a:p>
+      </dgm:t>
     </dgm:pt>
     <dgm:pt modelId="{C2A68D58-5601-45A8-A5F7-F8CCC2D6145B}" type="pres">
       <dgm:prSet presAssocID="{2A56CB92-F8DF-4478-A705-00D68932820C}" presName="parTxOnlySpace" presStyleCnt="0"/>
@@ -1245,12 +1261,20 @@
         </dgm:presLayoutVars>
       </dgm:prSet>
       <dgm:spPr/>
+      <dgm:t>
+        <a:bodyPr/>
+        <a:lstStyle/>
+        <a:p>
+          <a:pPr latinLnBrk="1"/>
+          <a:endParaRPr lang="ko-KR" altLang="en-US"/>
+        </a:p>
+      </dgm:t>
     </dgm:pt>
   </dgm:ptLst>
   <dgm:cxnLst>
-    <dgm:cxn modelId="{EBC28D22-C94B-49D7-859C-9AE4FA62C639}" srcId="{C6390796-9233-4796-A2A1-18281947C8B6}" destId="{EF425AAF-D6AF-4270-AC62-A4EE5BA0D273}" srcOrd="2" destOrd="0" parTransId="{4BA1F3A3-6BAE-42F7-B625-E0DD873E8032}" sibTransId="{338754FE-8352-49F3-BDF6-2C80BEC36C8E}"/>
     <dgm:cxn modelId="{30D5B52B-D0B6-4485-8C75-37B416FBF3BC}" type="presOf" srcId="{52735A89-C3AE-4CDF-8FB1-C4D6070BEE1D}" destId="{83ABA475-2F67-4F6B-BE89-A7ED4628215B}" srcOrd="0" destOrd="0" presId="urn:microsoft.com/office/officeart/2005/8/layout/chevron1"/>
     <dgm:cxn modelId="{D87E0563-586A-4728-B3A5-D749511B586F}" srcId="{C6390796-9233-4796-A2A1-18281947C8B6}" destId="{08125CEA-6DA2-4FF4-8162-72DC6E6BC921}" srcOrd="1" destOrd="0" parTransId="{B4923912-75F8-40F5-A8F1-97EFDE83BD5A}" sibTransId="{2A56CB92-F8DF-4478-A705-00D68932820C}"/>
+    <dgm:cxn modelId="{EBC28D22-C94B-49D7-859C-9AE4FA62C639}" srcId="{C6390796-9233-4796-A2A1-18281947C8B6}" destId="{EF425AAF-D6AF-4270-AC62-A4EE5BA0D273}" srcOrd="2" destOrd="0" parTransId="{4BA1F3A3-6BAE-42F7-B625-E0DD873E8032}" sibTransId="{338754FE-8352-49F3-BDF6-2C80BEC36C8E}"/>
     <dgm:cxn modelId="{AFE2CA66-9D6D-4A34-A34C-3CB1A35DAD04}" type="presOf" srcId="{C6390796-9233-4796-A2A1-18281947C8B6}" destId="{1F0B1A10-3397-44CB-BFFE-B4A6ACC520AF}" srcOrd="0" destOrd="0" presId="urn:microsoft.com/office/officeart/2005/8/layout/chevron1"/>
     <dgm:cxn modelId="{9ABAF649-3462-4778-8F83-C00FE57D8072}" type="presOf" srcId="{08125CEA-6DA2-4FF4-8162-72DC6E6BC921}" destId="{43FFBDBF-64D7-48AF-BF11-64B93F8BF50D}" srcOrd="0" destOrd="0" presId="urn:microsoft.com/office/officeart/2005/8/layout/chevron1"/>
     <dgm:cxn modelId="{A4E23179-A885-4AEA-AF94-74BC47CA33D6}" srcId="{C6390796-9233-4796-A2A1-18281947C8B6}" destId="{52735A89-C3AE-4CDF-8FB1-C4D6070BEE1D}" srcOrd="0" destOrd="0" parTransId="{F277AF0D-C092-4D5C-AD6B-1CC1E570AAF7}" sibTransId="{097A7718-27E4-429E-B8F7-4AD0308D5B68}"/>
@@ -1334,7 +1358,7 @@
         </a:bodyPr>
         <a:lstStyle/>
         <a:p>
-          <a:pPr marL="0" lvl="0" indent="0" algn="ctr" defTabSz="889000" latinLnBrk="1">
+          <a:pPr lvl="0" algn="ctr" defTabSz="889000" latinLnBrk="1">
             <a:lnSpc>
               <a:spcPct val="90000"/>
             </a:lnSpc>
@@ -1344,7 +1368,6 @@
             <a:spcAft>
               <a:spcPct val="35000"/>
             </a:spcAft>
-            <a:buNone/>
           </a:pPr>
           <a:r>
             <a:rPr lang="ko-KR" altLang="en-US" sz="2000" b="1" kern="1200" dirty="0">
@@ -1414,7 +1437,7 @@
         </a:bodyPr>
         <a:lstStyle/>
         <a:p>
-          <a:pPr marL="0" lvl="0" indent="0" algn="ctr" defTabSz="889000" latinLnBrk="1">
+          <a:pPr lvl="0" algn="ctr" defTabSz="889000" latinLnBrk="1">
             <a:lnSpc>
               <a:spcPct val="90000"/>
             </a:lnSpc>
@@ -1424,7 +1447,6 @@
             <a:spcAft>
               <a:spcPct val="35000"/>
             </a:spcAft>
-            <a:buNone/>
           </a:pPr>
           <a:r>
             <a:rPr lang="ko-KR" altLang="en-US" sz="2000" b="1" kern="1200" dirty="0">
@@ -1494,7 +1516,7 @@
         </a:bodyPr>
         <a:lstStyle/>
         <a:p>
-          <a:pPr marL="0" lvl="0" indent="0" algn="ctr" defTabSz="889000" latinLnBrk="1">
+          <a:pPr lvl="0" algn="ctr" defTabSz="889000" latinLnBrk="1">
             <a:lnSpc>
               <a:spcPct val="90000"/>
             </a:lnSpc>
@@ -1504,7 +1526,6 @@
             <a:spcAft>
               <a:spcPct val="35000"/>
             </a:spcAft>
-            <a:buNone/>
           </a:pPr>
           <a:r>
             <a:rPr lang="ko-KR" altLang="en-US" sz="2000" b="1" kern="1200" dirty="0">
@@ -29919,8 +29940,8 @@
         </p:nvSpPr>
         <p:spPr>
           <a:xfrm>
-            <a:off x="1659467" y="2349879"/>
-            <a:ext cx="6854218" cy="5549468"/>
+            <a:off x="1537547" y="2079913"/>
+            <a:ext cx="6854218" cy="3970318"/>
           </a:xfrm>
           <a:prstGeom prst="rect">
             <a:avLst/>
@@ -29941,21 +29962,21 @@
               <a:buChar char="▶"/>
             </a:pPr>
             <a:r>
-              <a:rPr lang="en-US" altLang="ko-KR" sz="2000" dirty="0">
+              <a:rPr lang="en-US" altLang="ko-KR" dirty="0">
                 <a:latin typeface="나눔스퀘어OTF" panose="020B0600000101010101" pitchFamily="34" charset="-127"/>
                 <a:ea typeface="나눔스퀘어OTF" panose="020B0600000101010101" pitchFamily="34" charset="-127"/>
               </a:rPr>
               <a:t>DirectX12</a:t>
             </a:r>
             <a:r>
-              <a:rPr lang="ko-KR" altLang="en-US" sz="2000" dirty="0">
+              <a:rPr lang="ko-KR" altLang="en-US" dirty="0">
                 <a:latin typeface="나눔스퀘어OTF" panose="020B0600000101010101" pitchFamily="34" charset="-127"/>
                 <a:ea typeface="나눔스퀘어OTF" panose="020B0600000101010101" pitchFamily="34" charset="-127"/>
               </a:rPr>
               <a:t>를 이용하여 게임 제작 능력을 키운다</a:t>
             </a:r>
             <a:r>
-              <a:rPr lang="en-US" altLang="ko-KR" sz="2000" dirty="0">
+              <a:rPr lang="en-US" altLang="ko-KR" dirty="0" smtClean="0">
                 <a:latin typeface="나눔스퀘어OTF" panose="020B0600000101010101" pitchFamily="34" charset="-127"/>
                 <a:ea typeface="나눔스퀘어OTF" panose="020B0600000101010101" pitchFamily="34" charset="-127"/>
               </a:rPr>
@@ -29963,111 +29984,68 @@
             </a:r>
           </a:p>
           <a:p>
-            <a:pPr marL="342900" indent="-342900">
+            <a:pPr lvl="1">
               <a:lnSpc>
                 <a:spcPct val="200000"/>
               </a:lnSpc>
-              <a:buFont typeface="나눔스퀘어OTF" panose="020B0600000101010101" pitchFamily="34" charset="-127"/>
-              <a:buChar char="▶"/>
             </a:pPr>
             <a:r>
-              <a:rPr lang="en-US" altLang="ko-KR" sz="2000" dirty="0" err="1">
+              <a:rPr lang="ko-KR" altLang="en-US" dirty="0" smtClean="0">
                 <a:latin typeface="나눔스퀘어OTF" panose="020B0600000101010101" pitchFamily="34" charset="-127"/>
                 <a:ea typeface="나눔스퀘어OTF" panose="020B0600000101010101" pitchFamily="34" charset="-127"/>
               </a:rPr>
-              <a:t>MsSQL</a:t>
-            </a:r>
-            <a:r>
-              <a:rPr lang="ko-KR" altLang="en-US" sz="2000" dirty="0">
+              <a:t>툰 </a:t>
+            </a:r>
+            <a:r>
+              <a:rPr lang="ko-KR" altLang="en-US" dirty="0" err="1" smtClean="0">
                 <a:latin typeface="나눔스퀘어OTF" panose="020B0600000101010101" pitchFamily="34" charset="-127"/>
                 <a:ea typeface="나눔스퀘어OTF" panose="020B0600000101010101" pitchFamily="34" charset="-127"/>
               </a:rPr>
-              <a:t>을 이용하여 사용자 데이터 관리 능력을 배양한다</a:t>
-            </a:r>
-            <a:r>
-              <a:rPr lang="en-US" altLang="ko-KR" sz="2000" dirty="0">
+              <a:t>쉐이딩</a:t>
+            </a:r>
+            <a:r>
+              <a:rPr lang="en-US" altLang="ko-KR" dirty="0" smtClean="0">
                 <a:latin typeface="나눔스퀘어OTF" panose="020B0600000101010101" pitchFamily="34" charset="-127"/>
                 <a:ea typeface="나눔스퀘어OTF" panose="020B0600000101010101" pitchFamily="34" charset="-127"/>
               </a:rPr>
-              <a:t>.</a:t>
+              <a:t>, Stencil Shadow, Skinning Animation</a:t>
             </a:r>
           </a:p>
           <a:p>
-            <a:pPr marL="342900" indent="-342900">
+            <a:pPr lvl="1">
               <a:lnSpc>
                 <a:spcPct val="200000"/>
               </a:lnSpc>
-              <a:buFont typeface="나눔스퀘어OTF" panose="020B0600000101010101" pitchFamily="34" charset="-127"/>
-              <a:buChar char="▶"/>
             </a:pPr>
             <a:r>
-              <a:rPr lang="en-US" altLang="ko-KR" sz="2000" dirty="0">
+              <a:rPr lang="ko-KR" altLang="en-US" dirty="0" smtClean="0">
                 <a:latin typeface="나눔스퀘어OTF" panose="020B0600000101010101" pitchFamily="34" charset="-127"/>
                 <a:ea typeface="나눔스퀘어OTF" panose="020B0600000101010101" pitchFamily="34" charset="-127"/>
               </a:rPr>
-              <a:t>IOCP</a:t>
-            </a:r>
-            <a:r>
-              <a:rPr lang="ko-KR" altLang="en-US" sz="2000" dirty="0">
+              <a:t>테셀레이션을 사용한 사실적인 </a:t>
+            </a:r>
+            <a:r>
+              <a:rPr lang="en-US" altLang="ko-KR" smtClean="0">
                 <a:latin typeface="나눔스퀘어OTF" panose="020B0600000101010101" pitchFamily="34" charset="-127"/>
                 <a:ea typeface="나눔스퀘어OTF" panose="020B0600000101010101" pitchFamily="34" charset="-127"/>
               </a:rPr>
-              <a:t> 소켓 모델을 이용하여 서버를 구축한다</a:t>
-            </a:r>
-            <a:r>
-              <a:rPr lang="en-US" altLang="ko-KR" sz="2000" dirty="0">
+              <a:t>3D </a:t>
+            </a:r>
+            <a:r>
+              <a:rPr lang="ko-KR" altLang="en-US" smtClean="0">
                 <a:latin typeface="나눔스퀘어OTF" panose="020B0600000101010101" pitchFamily="34" charset="-127"/>
                 <a:ea typeface="나눔스퀘어OTF" panose="020B0600000101010101" pitchFamily="34" charset="-127"/>
               </a:rPr>
-              <a:t>.</a:t>
-            </a:r>
-          </a:p>
-          <a:p>
-            <a:pPr marL="342900" indent="-342900">
-              <a:lnSpc>
-                <a:spcPct val="200000"/>
-              </a:lnSpc>
-              <a:buFont typeface="나눔스퀘어OTF" panose="020B0600000101010101" pitchFamily="34" charset="-127"/>
-              <a:buChar char="▶"/>
-            </a:pPr>
-            <a:r>
-              <a:rPr lang="ko-KR" altLang="en-US" sz="2000" dirty="0">
+              <a:t>객체 </a:t>
+            </a:r>
+            <a:r>
+              <a:rPr lang="ko-KR" altLang="en-US" dirty="0" smtClean="0">
                 <a:latin typeface="나눔스퀘어OTF" panose="020B0600000101010101" pitchFamily="34" charset="-127"/>
                 <a:ea typeface="나눔스퀘어OTF" panose="020B0600000101010101" pitchFamily="34" charset="-127"/>
               </a:rPr>
-              <a:t>다양한 그래픽 제작 프로그램을 이용하여 캐릭터</a:t>
-            </a:r>
-            <a:r>
-              <a:rPr lang="en-US" altLang="ko-KR" sz="2000" dirty="0">
-                <a:latin typeface="나눔스퀘어OTF" panose="020B0600000101010101" pitchFamily="34" charset="-127"/>
-                <a:ea typeface="나눔스퀘어OTF" panose="020B0600000101010101" pitchFamily="34" charset="-127"/>
-              </a:rPr>
-              <a:t>, </a:t>
-            </a:r>
-            <a:r>
-              <a:rPr lang="ko-KR" altLang="en-US" sz="2000" dirty="0">
-                <a:latin typeface="나눔스퀘어OTF" panose="020B0600000101010101" pitchFamily="34" charset="-127"/>
-                <a:ea typeface="나눔스퀘어OTF" panose="020B0600000101010101" pitchFamily="34" charset="-127"/>
-              </a:rPr>
-              <a:t>배경 모델을 제작한다</a:t>
-            </a:r>
-            <a:r>
-              <a:rPr lang="en-US" altLang="ko-KR" sz="2000" dirty="0">
-                <a:latin typeface="나눔스퀘어OTF" panose="020B0600000101010101" pitchFamily="34" charset="-127"/>
-                <a:ea typeface="나눔스퀘어OTF" panose="020B0600000101010101" pitchFamily="34" charset="-127"/>
-              </a:rPr>
-              <a:t>.</a:t>
-            </a:r>
-          </a:p>
-          <a:p>
-            <a:pPr marL="342900" indent="-342900">
-              <a:lnSpc>
-                <a:spcPct val="200000"/>
-              </a:lnSpc>
-              <a:buFont typeface="나눔스퀘어OTF" panose="020B0600000101010101" pitchFamily="34" charset="-127"/>
-              <a:buChar char="▶"/>
-            </a:pPr>
-            <a:endParaRPr lang="en-US" altLang="ko-KR" sz="2000" dirty="0">
+              <a:t>표현</a:t>
+            </a:r>
+            <a:endParaRPr lang="en-US" altLang="ko-KR" dirty="0">
               <a:latin typeface="나눔스퀘어OTF" panose="020B0600000101010101" pitchFamily="34" charset="-127"/>
               <a:ea typeface="나눔스퀘어OTF" panose="020B0600000101010101" pitchFamily="34" charset="-127"/>
             </a:endParaRPr>
@@ -30080,7 +30058,81 @@
               <a:buFont typeface="나눔스퀘어OTF" panose="020B0600000101010101" pitchFamily="34" charset="-127"/>
               <a:buChar char="▶"/>
             </a:pPr>
-            <a:endParaRPr lang="en-US" altLang="ko-KR" sz="2000" dirty="0">
+            <a:r>
+              <a:rPr lang="en-US" altLang="ko-KR" dirty="0" smtClean="0">
+                <a:latin typeface="나눔스퀘어OTF" panose="020B0600000101010101" pitchFamily="34" charset="-127"/>
+                <a:ea typeface="나눔스퀘어OTF" panose="020B0600000101010101" pitchFamily="34" charset="-127"/>
+              </a:rPr>
+              <a:t>IOCP</a:t>
+            </a:r>
+            <a:r>
+              <a:rPr lang="ko-KR" altLang="en-US" dirty="0" smtClean="0">
+                <a:latin typeface="나눔스퀘어OTF" panose="020B0600000101010101" pitchFamily="34" charset="-127"/>
+                <a:ea typeface="나눔스퀘어OTF" panose="020B0600000101010101" pitchFamily="34" charset="-127"/>
+              </a:rPr>
+              <a:t> </a:t>
+            </a:r>
+            <a:r>
+              <a:rPr lang="ko-KR" altLang="en-US" dirty="0">
+                <a:latin typeface="나눔스퀘어OTF" panose="020B0600000101010101" pitchFamily="34" charset="-127"/>
+                <a:ea typeface="나눔스퀘어OTF" panose="020B0600000101010101" pitchFamily="34" charset="-127"/>
+              </a:rPr>
+              <a:t>소켓 모델을 이용하여 서버를 구축한다</a:t>
+            </a:r>
+            <a:r>
+              <a:rPr lang="en-US" altLang="ko-KR" dirty="0" smtClean="0">
+                <a:latin typeface="나눔스퀘어OTF" panose="020B0600000101010101" pitchFamily="34" charset="-127"/>
+                <a:ea typeface="나눔스퀘어OTF" panose="020B0600000101010101" pitchFamily="34" charset="-127"/>
+              </a:rPr>
+              <a:t>.</a:t>
+            </a:r>
+          </a:p>
+          <a:p>
+            <a:pPr lvl="1">
+              <a:lnSpc>
+                <a:spcPct val="200000"/>
+              </a:lnSpc>
+            </a:pPr>
+            <a:r>
+              <a:rPr lang="ko-KR" altLang="en-US" dirty="0" smtClean="0">
+                <a:latin typeface="나눔스퀘어OTF" panose="020B0600000101010101" pitchFamily="34" charset="-127"/>
+                <a:ea typeface="나눔스퀘어OTF" panose="020B0600000101010101" pitchFamily="34" charset="-127"/>
+              </a:rPr>
+              <a:t>플레이어 사이의 다양한 상호작용 구현</a:t>
+            </a:r>
+            <a:endParaRPr lang="en-US" altLang="ko-KR" dirty="0" smtClean="0">
+              <a:latin typeface="나눔스퀘어OTF" panose="020B0600000101010101" pitchFamily="34" charset="-127"/>
+              <a:ea typeface="나눔스퀘어OTF" panose="020B0600000101010101" pitchFamily="34" charset="-127"/>
+            </a:endParaRPr>
+          </a:p>
+          <a:p>
+            <a:pPr lvl="1">
+              <a:lnSpc>
+                <a:spcPct val="200000"/>
+              </a:lnSpc>
+            </a:pPr>
+            <a:r>
+              <a:rPr lang="ko-KR" altLang="en-US" dirty="0" smtClean="0">
+                <a:latin typeface="나눔스퀘어OTF" panose="020B0600000101010101" pitchFamily="34" charset="-127"/>
+                <a:ea typeface="나눔스퀘어OTF" panose="020B0600000101010101" pitchFamily="34" charset="-127"/>
+              </a:rPr>
+              <a:t>여러 종류의 </a:t>
+            </a:r>
+            <a:r>
+              <a:rPr lang="en-US" altLang="ko-KR" dirty="0" smtClean="0">
+                <a:latin typeface="나눔스퀘어OTF" panose="020B0600000101010101" pitchFamily="34" charset="-127"/>
+                <a:ea typeface="나눔스퀘어OTF" panose="020B0600000101010101" pitchFamily="34" charset="-127"/>
+              </a:rPr>
+              <a:t>NPC AI </a:t>
+            </a:r>
+            <a:r>
+              <a:rPr lang="ko-KR" altLang="en-US" dirty="0" smtClean="0">
+                <a:latin typeface="나눔스퀘어OTF" panose="020B0600000101010101" pitchFamily="34" charset="-127"/>
+                <a:ea typeface="나눔스퀘어OTF" panose="020B0600000101010101" pitchFamily="34" charset="-127"/>
+              </a:rPr>
+              <a:t>구현</a:t>
+            </a:r>
+            <a:endParaRPr lang="en-US" altLang="ko-KR" dirty="0">
               <a:latin typeface="나눔스퀘어OTF" panose="020B0600000101010101" pitchFamily="34" charset="-127"/>
               <a:ea typeface="나눔스퀘어OTF" panose="020B0600000101010101" pitchFamily="34" charset="-127"/>
             </a:endParaRPr>
@@ -30093,20 +30145,21 @@
               <a:buFont typeface="나눔스퀘어OTF" panose="020B0600000101010101" pitchFamily="34" charset="-127"/>
               <a:buChar char="▶"/>
             </a:pPr>
-            <a:endParaRPr lang="en-US" altLang="ko-KR" sz="2000" dirty="0">
-              <a:latin typeface="나눔스퀘어OTF" panose="020B0600000101010101" pitchFamily="34" charset="-127"/>
-              <a:ea typeface="나눔스퀘어OTF" panose="020B0600000101010101" pitchFamily="34" charset="-127"/>
-            </a:endParaRPr>
-          </a:p>
-          <a:p>
-            <a:pPr marL="342900" indent="-342900">
-              <a:lnSpc>
-                <a:spcPct val="200000"/>
-              </a:lnSpc>
-              <a:buFont typeface="나눔스퀘어OTF" panose="020B0600000101010101" pitchFamily="34" charset="-127"/>
-              <a:buChar char="▶"/>
-            </a:pPr>
-            <a:endParaRPr lang="ko-KR" altLang="en-US" sz="2000" dirty="0">
+            <a:r>
+              <a:rPr lang="en-US" altLang="ko-KR" dirty="0" smtClean="0">
+                <a:latin typeface="나눔스퀘어OTF" panose="020B0600000101010101" pitchFamily="34" charset="-127"/>
+                <a:ea typeface="나눔스퀘어OTF" panose="020B0600000101010101" pitchFamily="34" charset="-127"/>
+              </a:rPr>
+              <a:t>ZBRUSH</a:t>
+            </a:r>
+            <a:r>
+              <a:rPr lang="ko-KR" altLang="en-US" dirty="0" smtClean="0">
+                <a:latin typeface="나눔스퀘어OTF" panose="020B0600000101010101" pitchFamily="34" charset="-127"/>
+                <a:ea typeface="나눔스퀘어OTF" panose="020B0600000101010101" pitchFamily="34" charset="-127"/>
+              </a:rPr>
+              <a:t>를 사용한 부드러운 모델링</a:t>
+            </a:r>
+            <a:endParaRPr lang="en-US" altLang="ko-KR" dirty="0">
               <a:latin typeface="나눔스퀘어OTF" panose="020B0600000101010101" pitchFamily="34" charset="-127"/>
               <a:ea typeface="나눔스퀘어OTF" panose="020B0600000101010101" pitchFamily="34" charset="-127"/>
             </a:endParaRPr>
